--- a/20250923/退職プレゼン_20250912.pptx
+++ b/20250923/退職プレゼン_20250912.pptx
@@ -4966,7 +4966,29 @@
                 <a:latin typeface="メイリオ" panose="020B0604030504040204" pitchFamily="50" charset="-128"/>
                 <a:ea typeface="メイリオ" panose="020B0604030504040204" pitchFamily="50" charset="-128"/>
               </a:rPr>
-              <a:t>件、長松さん、宇都宮産、伊藤の連名出願</a:t>
+              <a:t>件、長松さん、宇都宮産さん、伊藤の連名</a:t>
+            </a:r>
+            <a:endParaRPr lang="en-US" altLang="ja-JP" sz="1800" dirty="0">
+              <a:solidFill>
+                <a:srgbClr val="323232"/>
+              </a:solidFill>
+              <a:latin typeface="メイリオ" panose="020B0604030504040204" pitchFamily="50" charset="-128"/>
+              <a:ea typeface="メイリオ" panose="020B0604030504040204" pitchFamily="50" charset="-128"/>
+            </a:endParaRPr>
+          </a:p>
+          <a:p>
+            <a:pPr marL="0" indent="0">
+              <a:buNone/>
+            </a:pPr>
+            <a:r>
+              <a:rPr lang="ja-JP" altLang="en-US" sz="1800" dirty="0">
+                <a:solidFill>
+                  <a:srgbClr val="323232"/>
+                </a:solidFill>
+                <a:latin typeface="メイリオ" panose="020B0604030504040204" pitchFamily="50" charset="-128"/>
+                <a:ea typeface="メイリオ" panose="020B0604030504040204" pitchFamily="50" charset="-128"/>
+              </a:rPr>
+              <a:t>　　　　出願。</a:t>
             </a:r>
             <a:endParaRPr lang="en-US" altLang="ja-JP" sz="1800" dirty="0">
               <a:solidFill>
